--- a/slides/lecture18.pptx
+++ b/slides/lecture18.pptx
@@ -700,16 +700,13 @@
           <a:p>
             <a:r>
               <a:rPr lang="en-US" dirty="0"/>
-              <a:t>Hello everyone, today we are going to review on other people’s comments on your prototype. Remember last week we ask each group to include a prototype section in your project website. That section is what you will present in the end of the semester. Also, we ask each group to review other groups’ prototype and give his or her feedback on the </a:t>
-            </a:r>
-            <a:r>
-              <a:rPr lang="en-US" dirty="0" err="1"/>
-              <a:t>github</a:t>
-            </a:r>
-            <a:r>
-              <a:rPr lang="en-US" dirty="0"/>
-              <a:t>. So, today we are going to review those comments.</a:t>
-            </a:r>
+              <a:t>Hello everyone, today we are going to talk about your final presentation. Remember that, at the end of this class, </a:t>
+            </a:r>
+            <a:r>
+              <a:rPr lang="en-US"/>
+              <a:t>everyon</a:t>
+            </a:r>
+            <a:endParaRPr lang="en-US" dirty="0"/>
           </a:p>
         </p:txBody>
       </p:sp>
@@ -5603,7 +5600,7 @@
             <a:pPr lvl="1"/>
             <a:r>
               <a:rPr lang="en-US" dirty="0"/>
-              <a:t>The audience wants to know why is your project difficult, not something they can get offline easily</a:t>
+              <a:t>The audience wants to know why your project is difficult, i.e., not something they can get offline easily</a:t>
             </a:r>
           </a:p>
           <a:p>
